--- a/13 Introduction to Machine Learning/13_Introduction to Machine Learning.pptx
+++ b/13 Introduction to Machine Learning/13_Introduction to Machine Learning.pptx
@@ -282,7 +282,7 @@
           <a:p>
             <a:fld id="{91907C35-CCAF-F946-8963-0B9E8E98E716}" type="datetimeFigureOut">
               <a:rPr lang="en-US" smtClean="0"/>
-              <a:t>12/27/18</a:t>
+              <a:t>1/7/19</a:t>
             </a:fld>
             <a:endParaRPr lang="en-US"/>
           </a:p>
@@ -4893,20 +4893,39 @@
               <a:defRPr/>
             </a:pPr>
             <a:r>
-              <a:rPr lang="en-US" sz="5400" b="1" dirty="0">
+              <a:rPr lang="en-US" sz="4800" dirty="0">
                 <a:latin typeface="Calisto MT" pitchFamily="18" charset="0"/>
                 <a:ea typeface="Batang" pitchFamily="18" charset="-127"/>
               </a:rPr>
-              <a:t>Data Analysis &amp; </a:t>
-            </a:r>
-            <a:r>
-              <a:rPr lang="en-US" sz="5400" b="1">
+              <a:t>Data </a:t>
+            </a:r>
+            <a:br>
+              <a:rPr lang="en-US" sz="4800" dirty="0">
                 <a:latin typeface="Calisto MT" pitchFamily="18" charset="0"/>
                 <a:ea typeface="Batang" pitchFamily="18" charset="-127"/>
               </a:rPr>
-              <a:t>Data Science with R</a:t>
-            </a:r>
-            <a:endParaRPr sz="5400" b="1" dirty="0">
+            </a:br>
+            <a:r>
+              <a:rPr lang="en-US" sz="4800" dirty="0">
+                <a:latin typeface="Calisto MT" pitchFamily="18" charset="0"/>
+                <a:ea typeface="Batang" pitchFamily="18" charset="-127"/>
+              </a:rPr>
+              <a:t>Processing/Analysis/Science </a:t>
+            </a:r>
+            <a:br>
+              <a:rPr lang="en-US" sz="4800" dirty="0">
+                <a:latin typeface="Calisto MT" pitchFamily="18" charset="0"/>
+                <a:ea typeface="Batang" pitchFamily="18" charset="-127"/>
+              </a:rPr>
+            </a:br>
+            <a:r>
+              <a:rPr lang="en-US" sz="4800" dirty="0">
+                <a:latin typeface="Calisto MT" pitchFamily="18" charset="0"/>
+                <a:ea typeface="Batang" pitchFamily="18" charset="-127"/>
+              </a:rPr>
+              <a:t>with R</a:t>
+            </a:r>
+            <a:endParaRPr sz="4800" b="1" dirty="0">
               <a:latin typeface="Calisto MT" pitchFamily="18" charset="0"/>
               <a:ea typeface="Batang" pitchFamily="18" charset="-127"/>
             </a:endParaRPr>
@@ -8003,7 +8022,7 @@
           <a:graphicData uri="http://schemas.openxmlformats.org/presentationml/2006/ole">
             <mc:AlternateContent xmlns:mc="http://schemas.openxmlformats.org/markup-compatibility/2006">
               <mc:Choice xmlns:v="urn:schemas-microsoft-com:vml" Requires="v">
-                <p:oleObj spid="_x0000_s1075" name="Equation" r:id="rId3" imgW="1041400" imgH="342900" progId="Equation.3">
+                <p:oleObj spid="_x0000_s1090" name="Equation" r:id="rId3" imgW="1041400" imgH="342900" progId="Equation.3">
                   <p:embed/>
                 </p:oleObj>
               </mc:Choice>
@@ -8060,7 +8079,7 @@
           <a:graphicData uri="http://schemas.openxmlformats.org/presentationml/2006/ole">
             <mc:AlternateContent xmlns:mc="http://schemas.openxmlformats.org/markup-compatibility/2006">
               <mc:Choice xmlns:v="urn:schemas-microsoft-com:vml" Requires="v">
-                <p:oleObj spid="_x0000_s1076" name="Equation" r:id="rId5" imgW="482600" imgH="330200" progId="Equation.3">
+                <p:oleObj spid="_x0000_s1091" name="Equation" r:id="rId5" imgW="482600" imgH="330200" progId="Equation.3">
                   <p:embed/>
                 </p:oleObj>
               </mc:Choice>
@@ -8117,7 +8136,7 @@
           <a:graphicData uri="http://schemas.openxmlformats.org/presentationml/2006/ole">
             <mc:AlternateContent xmlns:mc="http://schemas.openxmlformats.org/markup-compatibility/2006">
               <mc:Choice xmlns:v="urn:schemas-microsoft-com:vml" Requires="v">
-                <p:oleObj spid="_x0000_s1077" name="Equation" r:id="rId7" imgW="495300" imgH="342900" progId="Equation.3">
+                <p:oleObj spid="_x0000_s1092" name="Equation" r:id="rId7" imgW="495300" imgH="342900" progId="Equation.3">
                   <p:embed/>
                 </p:oleObj>
               </mc:Choice>
@@ -8174,7 +8193,7 @@
           <a:graphicData uri="http://schemas.openxmlformats.org/presentationml/2006/ole">
             <mc:AlternateContent xmlns:mc="http://schemas.openxmlformats.org/markup-compatibility/2006">
               <mc:Choice xmlns:v="urn:schemas-microsoft-com:vml" Requires="v">
-                <p:oleObj spid="_x0000_s1078" name="Equation" r:id="rId9" imgW="495300" imgH="342900" progId="Equation.3">
+                <p:oleObj spid="_x0000_s1093" name="Equation" r:id="rId9" imgW="495300" imgH="342900" progId="Equation.3">
                   <p:embed/>
                 </p:oleObj>
               </mc:Choice>
@@ -8231,7 +8250,7 @@
           <a:graphicData uri="http://schemas.openxmlformats.org/presentationml/2006/ole">
             <mc:AlternateContent xmlns:mc="http://schemas.openxmlformats.org/markup-compatibility/2006">
               <mc:Choice xmlns:v="urn:schemas-microsoft-com:vml" Requires="v">
-                <p:oleObj spid="_x0000_s1079" name="Equation" r:id="rId10" imgW="495300" imgH="342900" progId="Equation.3">
+                <p:oleObj spid="_x0000_s1094" name="Equation" r:id="rId10" imgW="495300" imgH="342900" progId="Equation.3">
                   <p:embed/>
                 </p:oleObj>
               </mc:Choice>
@@ -9802,11 +9821,10 @@
             </a:endParaRPr>
           </a:p>
           <a:p>
-            <a:pPr marL="82296" indent="0">
+            <a:pPr>
               <a:lnSpc>
                 <a:spcPct val="120000"/>
               </a:lnSpc>
-              <a:buNone/>
             </a:pPr>
             <a:r>
               <a:rPr lang="en-US" sz="2300" dirty="0">
@@ -9849,7 +9867,7 @@
               </a:rPr>
               <a:t>https://cran.r-project.org/web/packages/modelr/modelr.pdf</a:t>
             </a:r>
-            <a:endParaRPr lang="en-US" sz="2300">
+            <a:endParaRPr lang="en-US" sz="2300" dirty="0">
               <a:latin typeface="Avenir Book" charset="0"/>
               <a:ea typeface="Avenir Book" charset="0"/>
               <a:cs typeface="Avenir Book" charset="0"/>

--- a/13 Introduction to Machine Learning/13_Introduction to Machine Learning.pptx
+++ b/13 Introduction to Machine Learning/13_Introduction to Machine Learning.pptx
@@ -282,7 +282,7 @@
           <a:p>
             <a:fld id="{91907C35-CCAF-F946-8963-0B9E8E98E716}" type="datetimeFigureOut">
               <a:rPr lang="en-US" smtClean="0"/>
-              <a:t>1/7/19</a:t>
+              <a:t>1/15/19</a:t>
             </a:fld>
             <a:endParaRPr lang="en-US"/>
           </a:p>
@@ -6233,14 +6233,14 @@
           <a:effectLst/>
           <a:extLst>
             <a:ext uri="{909E8E84-426E-40dd-AFC4-6F175D3DCCD1}">
-              <a14:hiddenFill xmlns:a14="http://schemas.microsoft.com/office/drawing/2010/main" xmlns="">
+              <a14:hiddenFill xmlns="" xmlns:a14="http://schemas.microsoft.com/office/drawing/2010/main">
                 <a:solidFill>
                   <a:schemeClr val="accent1"/>
                 </a:solidFill>
               </a14:hiddenFill>
             </a:ext>
             <a:ext uri="{91240B29-F687-4f45-9708-019B960494DF}">
-              <a14:hiddenLine xmlns:a14="http://schemas.microsoft.com/office/drawing/2010/main" xmlns="" w="9525">
+              <a14:hiddenLine xmlns="" xmlns:a14="http://schemas.microsoft.com/office/drawing/2010/main" w="9525">
                 <a:solidFill>
                   <a:schemeClr val="tx1"/>
                 </a:solidFill>
@@ -6250,7 +6250,7 @@
               </a14:hiddenLine>
             </a:ext>
             <a:ext uri="{AF507438-7753-43e0-B8FC-AC1667EBCBE1}">
-              <a14:hiddenEffects xmlns:a14="http://schemas.microsoft.com/office/drawing/2010/main" xmlns="">
+              <a14:hiddenEffects xmlns="" xmlns:a14="http://schemas.microsoft.com/office/drawing/2010/main">
                 <a:effectLst>
                   <a:outerShdw dist="35921" dir="2700000" algn="ctr" rotWithShape="0">
                     <a:schemeClr val="bg2"/>
@@ -8022,7 +8022,7 @@
           <a:graphicData uri="http://schemas.openxmlformats.org/presentationml/2006/ole">
             <mc:AlternateContent xmlns:mc="http://schemas.openxmlformats.org/markup-compatibility/2006">
               <mc:Choice xmlns:v="urn:schemas-microsoft-com:vml" Requires="v">
-                <p:oleObj spid="_x0000_s1090" name="Equation" r:id="rId3" imgW="1041400" imgH="342900" progId="Equation.3">
+                <p:oleObj spid="_x0000_s1095" name="Equation" r:id="rId3" imgW="1041400" imgH="342900" progId="Equation.3">
                   <p:embed/>
                 </p:oleObj>
               </mc:Choice>
@@ -8079,7 +8079,7 @@
           <a:graphicData uri="http://schemas.openxmlformats.org/presentationml/2006/ole">
             <mc:AlternateContent xmlns:mc="http://schemas.openxmlformats.org/markup-compatibility/2006">
               <mc:Choice xmlns:v="urn:schemas-microsoft-com:vml" Requires="v">
-                <p:oleObj spid="_x0000_s1091" name="Equation" r:id="rId5" imgW="482600" imgH="330200" progId="Equation.3">
+                <p:oleObj spid="_x0000_s1096" name="Equation" r:id="rId5" imgW="482600" imgH="330200" progId="Equation.3">
                   <p:embed/>
                 </p:oleObj>
               </mc:Choice>
@@ -8136,7 +8136,7 @@
           <a:graphicData uri="http://schemas.openxmlformats.org/presentationml/2006/ole">
             <mc:AlternateContent xmlns:mc="http://schemas.openxmlformats.org/markup-compatibility/2006">
               <mc:Choice xmlns:v="urn:schemas-microsoft-com:vml" Requires="v">
-                <p:oleObj spid="_x0000_s1092" name="Equation" r:id="rId7" imgW="495300" imgH="342900" progId="Equation.3">
+                <p:oleObj spid="_x0000_s1097" name="Equation" r:id="rId7" imgW="495300" imgH="342900" progId="Equation.3">
                   <p:embed/>
                 </p:oleObj>
               </mc:Choice>
@@ -8193,7 +8193,7 @@
           <a:graphicData uri="http://schemas.openxmlformats.org/presentationml/2006/ole">
             <mc:AlternateContent xmlns:mc="http://schemas.openxmlformats.org/markup-compatibility/2006">
               <mc:Choice xmlns:v="urn:schemas-microsoft-com:vml" Requires="v">
-                <p:oleObj spid="_x0000_s1093" name="Equation" r:id="rId9" imgW="495300" imgH="342900" progId="Equation.3">
+                <p:oleObj spid="_x0000_s1098" name="Equation" r:id="rId9" imgW="495300" imgH="342900" progId="Equation.3">
                   <p:embed/>
                 </p:oleObj>
               </mc:Choice>
@@ -8250,7 +8250,7 @@
           <a:graphicData uri="http://schemas.openxmlformats.org/presentationml/2006/ole">
             <mc:AlternateContent xmlns:mc="http://schemas.openxmlformats.org/markup-compatibility/2006">
               <mc:Choice xmlns:v="urn:schemas-microsoft-com:vml" Requires="v">
-                <p:oleObj spid="_x0000_s1094" name="Equation" r:id="rId10" imgW="495300" imgH="342900" progId="Equation.3">
+                <p:oleObj spid="_x0000_s1099" name="Equation" r:id="rId10" imgW="495300" imgH="342900" progId="Equation.3">
                   <p:embed/>
                 </p:oleObj>
               </mc:Choice>
@@ -9437,7 +9437,7 @@
         </p:spPr>
         <p:txBody>
           <a:bodyPr>
-            <a:normAutofit fontScale="77500" lnSpcReduction="20000"/>
+            <a:normAutofit fontScale="70000" lnSpcReduction="20000"/>
           </a:bodyPr>
           <a:lstStyle>
             <a:lvl1pPr marL="365760" indent="-283464" algn="l" eaLnBrk="1" latinLnBrk="0" hangingPunct="1">
@@ -9796,7 +9796,7 @@
               </a:lnSpc>
             </a:pPr>
             <a:r>
-              <a:rPr lang="en" sz="2400" dirty="0">
+              <a:rPr lang="en" dirty="0">
                 <a:latin typeface="Avenir Book" charset="0"/>
               </a:rPr>
               <a:t>Out of sample predictions from OLS regressions: a K-folds tutorial in R</a:t>
@@ -9827,26 +9827,20 @@
               </a:lnSpc>
             </a:pPr>
             <a:r>
-              <a:rPr lang="en-US" sz="2300" dirty="0">
-                <a:latin typeface="Avenir Book" charset="0"/>
-                <a:ea typeface="Avenir Book" charset="0"/>
-                <a:cs typeface="Avenir Book" charset="0"/>
+              <a:rPr lang="en-US" dirty="0">
+                <a:latin typeface="Avenir Book" charset="0"/>
               </a:rPr>
               <a:t>Package ‘</a:t>
             </a:r>
             <a:r>
-              <a:rPr lang="en-US" sz="2300" dirty="0" err="1">
-                <a:latin typeface="Avenir Book" charset="0"/>
-                <a:ea typeface="Avenir Book" charset="0"/>
-                <a:cs typeface="Avenir Book" charset="0"/>
+              <a:rPr lang="en-US" dirty="0" err="1">
+                <a:latin typeface="Avenir Book" charset="0"/>
               </a:rPr>
               <a:t>modelr</a:t>
             </a:r>
             <a:r>
-              <a:rPr lang="en-US" sz="2300" dirty="0">
-                <a:latin typeface="Avenir Book" charset="0"/>
-                <a:ea typeface="Avenir Book" charset="0"/>
-                <a:cs typeface="Avenir Book" charset="0"/>
+              <a:rPr lang="en-US" dirty="0">
+                <a:latin typeface="Avenir Book" charset="0"/>
               </a:rPr>
               <a:t>’</a:t>
             </a:r>
@@ -9866,6 +9860,41 @@
                 <a:hlinkClick r:id="rId7"/>
               </a:rPr>
               <a:t>https://cran.r-project.org/web/packages/modelr/modelr.pdf</a:t>
+            </a:r>
+            <a:endParaRPr lang="en-US" sz="2300" dirty="0">
+              <a:latin typeface="Avenir Book" charset="0"/>
+              <a:ea typeface="Avenir Book" charset="0"/>
+              <a:cs typeface="Avenir Book" charset="0"/>
+            </a:endParaRPr>
+          </a:p>
+          <a:p>
+            <a:pPr>
+              <a:lnSpc>
+                <a:spcPct val="120000"/>
+              </a:lnSpc>
+            </a:pPr>
+            <a:r>
+              <a:rPr lang="en-US" dirty="0">
+                <a:latin typeface="Avenir Book" charset="0"/>
+              </a:rPr>
+              <a:t>Logistic Regression</a:t>
+            </a:r>
+          </a:p>
+          <a:p>
+            <a:pPr marL="82296" indent="0">
+              <a:lnSpc>
+                <a:spcPct val="120000"/>
+              </a:lnSpc>
+              <a:buNone/>
+            </a:pPr>
+            <a:r>
+              <a:rPr lang="en-US" sz="2300" dirty="0">
+                <a:latin typeface="Avenir Book" charset="0"/>
+                <a:ea typeface="Avenir Book" charset="0"/>
+                <a:cs typeface="Avenir Book" charset="0"/>
+                <a:hlinkClick r:id="rId8"/>
+              </a:rPr>
+              <a:t>http://uc-r.github.io/logistic_regression</a:t>
             </a:r>
             <a:endParaRPr lang="en-US" sz="2300" dirty="0">
               <a:latin typeface="Avenir Book" charset="0"/>

--- a/13 Introduction to Machine Learning/13_Introduction to Machine Learning.pptx
+++ b/13 Introduction to Machine Learning/13_Introduction to Machine Learning.pptx
@@ -282,7 +282,7 @@
           <a:p>
             <a:fld id="{91907C35-CCAF-F946-8963-0B9E8E98E716}" type="datetimeFigureOut">
               <a:rPr lang="en-US" smtClean="0"/>
-              <a:t>1/15/19</a:t>
+              <a:t>3/10/19</a:t>
             </a:fld>
             <a:endParaRPr lang="en-US"/>
           </a:p>
@@ -6233,14 +6233,14 @@
           <a:effectLst/>
           <a:extLst>
             <a:ext uri="{909E8E84-426E-40dd-AFC4-6F175D3DCCD1}">
-              <a14:hiddenFill xmlns="" xmlns:a14="http://schemas.microsoft.com/office/drawing/2010/main">
+              <a14:hiddenFill xmlns:a14="http://schemas.microsoft.com/office/drawing/2010/main" xmlns="">
                 <a:solidFill>
                   <a:schemeClr val="accent1"/>
                 </a:solidFill>
               </a14:hiddenFill>
             </a:ext>
             <a:ext uri="{91240B29-F687-4f45-9708-019B960494DF}">
-              <a14:hiddenLine xmlns="" xmlns:a14="http://schemas.microsoft.com/office/drawing/2010/main" w="9525">
+              <a14:hiddenLine xmlns:a14="http://schemas.microsoft.com/office/drawing/2010/main" xmlns="" w="9525">
                 <a:solidFill>
                   <a:schemeClr val="tx1"/>
                 </a:solidFill>
@@ -6250,7 +6250,7 @@
               </a14:hiddenLine>
             </a:ext>
             <a:ext uri="{AF507438-7753-43e0-B8FC-AC1667EBCBE1}">
-              <a14:hiddenEffects xmlns="" xmlns:a14="http://schemas.microsoft.com/office/drawing/2010/main">
+              <a14:hiddenEffects xmlns:a14="http://schemas.microsoft.com/office/drawing/2010/main" xmlns="">
                 <a:effectLst>
                   <a:outerShdw dist="35921" dir="2700000" algn="ctr" rotWithShape="0">
                     <a:schemeClr val="bg2"/>
@@ -8022,7 +8022,7 @@
           <a:graphicData uri="http://schemas.openxmlformats.org/presentationml/2006/ole">
             <mc:AlternateContent xmlns:mc="http://schemas.openxmlformats.org/markup-compatibility/2006">
               <mc:Choice xmlns:v="urn:schemas-microsoft-com:vml" Requires="v">
-                <p:oleObj spid="_x0000_s1095" name="Equation" r:id="rId3" imgW="1041400" imgH="342900" progId="Equation.3">
+                <p:oleObj spid="_x0000_s1100" name="Equation" r:id="rId3" imgW="1041400" imgH="342900" progId="Equation.3">
                   <p:embed/>
                 </p:oleObj>
               </mc:Choice>
@@ -8079,7 +8079,7 @@
           <a:graphicData uri="http://schemas.openxmlformats.org/presentationml/2006/ole">
             <mc:AlternateContent xmlns:mc="http://schemas.openxmlformats.org/markup-compatibility/2006">
               <mc:Choice xmlns:v="urn:schemas-microsoft-com:vml" Requires="v">
-                <p:oleObj spid="_x0000_s1096" name="Equation" r:id="rId5" imgW="482600" imgH="330200" progId="Equation.3">
+                <p:oleObj spid="_x0000_s1101" name="Equation" r:id="rId5" imgW="482600" imgH="330200" progId="Equation.3">
                   <p:embed/>
                 </p:oleObj>
               </mc:Choice>
@@ -8136,7 +8136,7 @@
           <a:graphicData uri="http://schemas.openxmlformats.org/presentationml/2006/ole">
             <mc:AlternateContent xmlns:mc="http://schemas.openxmlformats.org/markup-compatibility/2006">
               <mc:Choice xmlns:v="urn:schemas-microsoft-com:vml" Requires="v">
-                <p:oleObj spid="_x0000_s1097" name="Equation" r:id="rId7" imgW="495300" imgH="342900" progId="Equation.3">
+                <p:oleObj spid="_x0000_s1102" name="Equation" r:id="rId7" imgW="495300" imgH="342900" progId="Equation.3">
                   <p:embed/>
                 </p:oleObj>
               </mc:Choice>
@@ -8193,7 +8193,7 @@
           <a:graphicData uri="http://schemas.openxmlformats.org/presentationml/2006/ole">
             <mc:AlternateContent xmlns:mc="http://schemas.openxmlformats.org/markup-compatibility/2006">
               <mc:Choice xmlns:v="urn:schemas-microsoft-com:vml" Requires="v">
-                <p:oleObj spid="_x0000_s1098" name="Equation" r:id="rId9" imgW="495300" imgH="342900" progId="Equation.3">
+                <p:oleObj spid="_x0000_s1103" name="Equation" r:id="rId9" imgW="495300" imgH="342900" progId="Equation.3">
                   <p:embed/>
                 </p:oleObj>
               </mc:Choice>
@@ -8250,7 +8250,7 @@
           <a:graphicData uri="http://schemas.openxmlformats.org/presentationml/2006/ole">
             <mc:AlternateContent xmlns:mc="http://schemas.openxmlformats.org/markup-compatibility/2006">
               <mc:Choice xmlns:v="urn:schemas-microsoft-com:vml" Requires="v">
-                <p:oleObj spid="_x0000_s1099" name="Equation" r:id="rId10" imgW="495300" imgH="342900" progId="Equation.3">
+                <p:oleObj spid="_x0000_s1104" name="Equation" r:id="rId10" imgW="495300" imgH="342900" progId="Equation.3">
                   <p:embed/>
                 </p:oleObj>
               </mc:Choice>
@@ -12212,8 +12212,8 @@
         </p:nvSpPr>
         <p:spPr>
           <a:xfrm>
-            <a:off x="603806" y="1219200"/>
-            <a:ext cx="8534400" cy="5638800"/>
+            <a:off x="451406" y="1066800"/>
+            <a:ext cx="8686800" cy="5638800"/>
           </a:xfrm>
           <a:prstGeom prst="rect">
             <a:avLst/>
@@ -12365,10 +12365,22 @@
           <a:p>
             <a:pPr lvl="1"/>
             <a:r>
-              <a:rPr lang="en-US" sz="2000" dirty="0">
+              <a:rPr lang="en" sz="2000" dirty="0">
                 <a:latin typeface="Avenir Medium"/>
               </a:rPr>
-              <a:t>A Friendly Introduction to Machine Learning</a:t>
+              <a:t>Statistical Learning for Data Science (Ankit </a:t>
+            </a:r>
+            <a:r>
+              <a:rPr lang="en" sz="2000" dirty="0" err="1">
+                <a:latin typeface="Avenir Medium"/>
+              </a:rPr>
+              <a:t>Rathi</a:t>
+            </a:r>
+            <a:r>
+              <a:rPr lang="en" sz="2000" dirty="0">
+                <a:latin typeface="Avenir Medium"/>
+              </a:rPr>
+              <a:t>)</a:t>
             </a:r>
           </a:p>
           <a:p>
@@ -12376,11 +12388,11 @@
               <a:buNone/>
             </a:pPr>
             <a:r>
-              <a:rPr lang="en-US" sz="2000" dirty="0">
+              <a:rPr lang="ro-RO" sz="2000" dirty="0">
                 <a:latin typeface="Avenir Medium"/>
                 <a:hlinkClick r:id="rId2"/>
               </a:rPr>
-              <a:t>https://www.youtube.com/watch?v=IpGxLWOIZy4</a:t>
+              <a:t>https://towardsdatascience.com/statistical-learning-for-data-science-b61b263c1196</a:t>
             </a:r>
             <a:endParaRPr lang="en-US" sz="2000" dirty="0">
               <a:latin typeface="Avenir Medium"/>
@@ -12392,7 +12404,7 @@
               <a:rPr lang="en-US" sz="2000" dirty="0">
                 <a:latin typeface="Avenir Medium"/>
               </a:rPr>
-              <a:t>Introduction to Data Analysis using Machine Learning</a:t>
+              <a:t>A Friendly Introduction to Machine Learning</a:t>
             </a:r>
           </a:p>
           <a:p>
@@ -12404,7 +12416,7 @@
                 <a:latin typeface="Avenir Medium"/>
                 <a:hlinkClick r:id="rId3"/>
               </a:rPr>
-              <a:t>https://www.youtube.com/watch?v=U4IYsLgNgoY</a:t>
+              <a:t>https://www.youtube.com/watch?v=IpGxLWOIZy4</a:t>
             </a:r>
             <a:endParaRPr lang="en-US" sz="2000" dirty="0">
               <a:latin typeface="Avenir Medium"/>
@@ -12416,7 +12428,7 @@
               <a:rPr lang="en-US" sz="2000" dirty="0">
                 <a:latin typeface="Avenir Medium"/>
               </a:rPr>
-              <a:t>Architecting Predictive Algorithms for Machine Learning</a:t>
+              <a:t>Introduction to Data Analysis using Machine Learning</a:t>
             </a:r>
           </a:p>
           <a:p>
@@ -12428,7 +12440,7 @@
                 <a:latin typeface="Avenir Medium"/>
                 <a:hlinkClick r:id="rId4"/>
               </a:rPr>
-              <a:t>https://www.youtube.com/watch?v=KoQdAdxjnoU&amp;t=3521s</a:t>
+              <a:t>https://www.youtube.com/watch?v=U4IYsLgNgoY</a:t>
             </a:r>
             <a:endParaRPr lang="en-US" sz="2000" dirty="0">
               <a:latin typeface="Avenir Medium"/>
@@ -12440,19 +12452,7 @@
               <a:rPr lang="en-US" sz="2000" dirty="0">
                 <a:latin typeface="Avenir Medium"/>
               </a:rPr>
-              <a:t>Introduction to Statistical Learning (Hastie and </a:t>
-            </a:r>
-            <a:r>
-              <a:rPr lang="en-US" sz="2000" dirty="0" err="1">
-                <a:latin typeface="Avenir Medium"/>
-              </a:rPr>
-              <a:t>Tibshirani</a:t>
-            </a:r>
-            <a:r>
-              <a:rPr lang="en-US" sz="2000" dirty="0">
-                <a:latin typeface="Avenir Medium"/>
-              </a:rPr>
-              <a:t>)</a:t>
+              <a:t>Architecting Predictive Algorithms for Machine Learning</a:t>
             </a:r>
           </a:p>
           <a:p>
@@ -12464,13 +12464,34 @@
                 <a:latin typeface="Avenir Medium"/>
                 <a:hlinkClick r:id="rId5"/>
               </a:rPr>
-              <a:t>https://www.youtube.com/watch?v=2wLfFB_6SKI&amp;list=PL5-da3qGB5ICcUhueCyu25slvsGp8IDTa</a:t>
+              <a:t>https://www.youtube.com/watch?v=KoQdAdxjnoU&amp;t=3521s</a:t>
             </a:r>
             <a:endParaRPr lang="en-US" sz="2000" dirty="0">
               <a:latin typeface="Avenir Medium"/>
             </a:endParaRPr>
           </a:p>
           <a:p>
+            <a:pPr lvl="1"/>
+            <a:r>
+              <a:rPr lang="en-US" sz="2000" dirty="0">
+                <a:latin typeface="Avenir Medium"/>
+              </a:rPr>
+              <a:t>Introduction to Statistical Learning (Hastie and </a:t>
+            </a:r>
+            <a:r>
+              <a:rPr lang="en-US" sz="2000" dirty="0" err="1">
+                <a:latin typeface="Avenir Medium"/>
+              </a:rPr>
+              <a:t>Tibshirani</a:t>
+            </a:r>
+            <a:r>
+              <a:rPr lang="en-US" sz="2000" dirty="0">
+                <a:latin typeface="Avenir Medium"/>
+              </a:rPr>
+              <a:t>)</a:t>
+            </a:r>
+          </a:p>
+          <a:p>
             <a:pPr marL="402336" lvl="1" indent="0">
               <a:buNone/>
             </a:pPr>
@@ -12479,7 +12500,7 @@
                 <a:latin typeface="Avenir Medium"/>
                 <a:hlinkClick r:id="rId6"/>
               </a:rPr>
-              <a:t>https://lagunita.stanford.edu/c4x/HumanitiesScience/StatLearning/asset/introduction.pdf</a:t>
+              <a:t>https://www.youtube.com/watch?v=2wLfFB_6SKI&amp;list=PL5-da3qGB5ICcUhueCyu25slvsGp8IDTa</a:t>
             </a:r>
             <a:endParaRPr lang="en-US" sz="2000" dirty="0">
               <a:latin typeface="Avenir Medium"/>
@@ -12493,6 +12514,21 @@
               <a:rPr lang="en-US" sz="2000" dirty="0">
                 <a:latin typeface="Avenir Medium"/>
                 <a:hlinkClick r:id="rId7"/>
+              </a:rPr>
+              <a:t>https://lagunita.stanford.edu/c4x/HumanitiesScience/StatLearning/asset/introduction.pdf</a:t>
+            </a:r>
+            <a:endParaRPr lang="en-US" sz="2000" dirty="0">
+              <a:latin typeface="Avenir Medium"/>
+            </a:endParaRPr>
+          </a:p>
+          <a:p>
+            <a:pPr marL="402336" lvl="1" indent="0">
+              <a:buNone/>
+            </a:pPr>
+            <a:r>
+              <a:rPr lang="en-US" sz="2000" dirty="0">
+                <a:latin typeface="Avenir Medium"/>
+                <a:hlinkClick r:id="rId8"/>
               </a:rPr>
               <a:t>https://www.youtube.com/watch?v=LvaTokhYnDw&amp;list=PL5-da3qGB5ICcUhueCyu25slvsGp8IDTa</a:t>
             </a:r>
